--- a/Market For You.pptx
+++ b/Market For You.pptx
@@ -9,10 +9,11 @@
     <p:sldId id="257" r:id="rId3"/>
     <p:sldId id="258" r:id="rId4"/>
     <p:sldId id="259" r:id="rId5"/>
-    <p:sldId id="261" r:id="rId6"/>
-    <p:sldId id="262" r:id="rId7"/>
-    <p:sldId id="260" r:id="rId8"/>
-    <p:sldId id="263" r:id="rId9"/>
+    <p:sldId id="264" r:id="rId6"/>
+    <p:sldId id="261" r:id="rId7"/>
+    <p:sldId id="262" r:id="rId8"/>
+    <p:sldId id="266" r:id="rId9"/>
+    <p:sldId id="263" r:id="rId10"/>
   </p:sldIdLst>
   <p:sldSz cx="9144000" cy="6858000" type="screen4x3"/>
   <p:notesSz cx="6858000" cy="9144000"/>
@@ -295,7 +296,7 @@
           <a:p>
             <a:fld id="{2E700DB3-DBF0-4086-B675-117E7A9610B8}" type="datetimeFigureOut">
               <a:rPr lang="pt-BR" smtClean="0"/>
-              <a:t>10/10/2016</a:t>
+              <a:t>19/10/2016</a:t>
             </a:fld>
             <a:endParaRPr lang="pt-BR"/>
           </a:p>
@@ -460,7 +461,7 @@
           <a:p>
             <a:fld id="{2E700DB3-DBF0-4086-B675-117E7A9610B8}" type="datetimeFigureOut">
               <a:rPr lang="pt-BR" smtClean="0"/>
-              <a:t>10/10/2016</a:t>
+              <a:t>19/10/2016</a:t>
             </a:fld>
             <a:endParaRPr lang="pt-BR"/>
           </a:p>
@@ -635,7 +636,7 @@
           <a:p>
             <a:fld id="{2E700DB3-DBF0-4086-B675-117E7A9610B8}" type="datetimeFigureOut">
               <a:rPr lang="pt-BR" smtClean="0"/>
-              <a:t>10/10/2016</a:t>
+              <a:t>19/10/2016</a:t>
             </a:fld>
             <a:endParaRPr lang="pt-BR"/>
           </a:p>
@@ -800,7 +801,7 @@
           <a:p>
             <a:fld id="{2E700DB3-DBF0-4086-B675-117E7A9610B8}" type="datetimeFigureOut">
               <a:rPr lang="pt-BR" smtClean="0"/>
-              <a:t>10/10/2016</a:t>
+              <a:t>19/10/2016</a:t>
             </a:fld>
             <a:endParaRPr lang="pt-BR"/>
           </a:p>
@@ -1041,7 +1042,7 @@
           <a:p>
             <a:fld id="{2E700DB3-DBF0-4086-B675-117E7A9610B8}" type="datetimeFigureOut">
               <a:rPr lang="pt-BR" smtClean="0"/>
-              <a:t>10/10/2016</a:t>
+              <a:t>19/10/2016</a:t>
             </a:fld>
             <a:endParaRPr lang="pt-BR"/>
           </a:p>
@@ -1324,7 +1325,7 @@
           <a:p>
             <a:fld id="{2E700DB3-DBF0-4086-B675-117E7A9610B8}" type="datetimeFigureOut">
               <a:rPr lang="pt-BR" smtClean="0"/>
-              <a:t>10/10/2016</a:t>
+              <a:t>19/10/2016</a:t>
             </a:fld>
             <a:endParaRPr lang="pt-BR"/>
           </a:p>
@@ -1741,7 +1742,7 @@
           <a:p>
             <a:fld id="{2E700DB3-DBF0-4086-B675-117E7A9610B8}" type="datetimeFigureOut">
               <a:rPr lang="pt-BR" smtClean="0"/>
-              <a:t>10/10/2016</a:t>
+              <a:t>19/10/2016</a:t>
             </a:fld>
             <a:endParaRPr lang="pt-BR"/>
           </a:p>
@@ -1854,7 +1855,7 @@
           <a:p>
             <a:fld id="{2E700DB3-DBF0-4086-B675-117E7A9610B8}" type="datetimeFigureOut">
               <a:rPr lang="pt-BR" smtClean="0"/>
-              <a:t>10/10/2016</a:t>
+              <a:t>19/10/2016</a:t>
             </a:fld>
             <a:endParaRPr lang="pt-BR"/>
           </a:p>
@@ -1944,7 +1945,7 @@
           <a:p>
             <a:fld id="{2E700DB3-DBF0-4086-B675-117E7A9610B8}" type="datetimeFigureOut">
               <a:rPr lang="pt-BR" smtClean="0"/>
-              <a:t>10/10/2016</a:t>
+              <a:t>19/10/2016</a:t>
             </a:fld>
             <a:endParaRPr lang="pt-BR"/>
           </a:p>
@@ -2216,7 +2217,7 @@
           <a:p>
             <a:fld id="{2E700DB3-DBF0-4086-B675-117E7A9610B8}" type="datetimeFigureOut">
               <a:rPr lang="pt-BR" smtClean="0"/>
-              <a:t>10/10/2016</a:t>
+              <a:t>19/10/2016</a:t>
             </a:fld>
             <a:endParaRPr lang="pt-BR"/>
           </a:p>
@@ -2464,7 +2465,7 @@
           <a:p>
             <a:fld id="{2E700DB3-DBF0-4086-B675-117E7A9610B8}" type="datetimeFigureOut">
               <a:rPr lang="pt-BR" smtClean="0"/>
-              <a:t>10/10/2016</a:t>
+              <a:t>19/10/2016</a:t>
             </a:fld>
             <a:endParaRPr lang="pt-BR"/>
           </a:p>
@@ -2681,7 +2682,7 @@
           <a:p>
             <a:fld id="{2E700DB3-DBF0-4086-B675-117E7A9610B8}" type="datetimeFigureOut">
               <a:rPr lang="pt-BR" smtClean="0"/>
-              <a:t>10/10/2016</a:t>
+              <a:t>19/10/2016</a:t>
             </a:fld>
             <a:endParaRPr lang="pt-BR"/>
           </a:p>
@@ -3166,7 +3167,7 @@
               <a:rPr lang="pt-BR" sz="4000" b="1" dirty="0" smtClean="0">
                 <a:latin typeface="+mj-lt"/>
               </a:rPr>
-              <a:t>Problemas </a:t>
+              <a:t>Problema </a:t>
             </a:r>
             <a:endParaRPr lang="pt-BR" sz="4000" b="1" dirty="0">
               <a:latin typeface="+mj-lt"/>
@@ -3183,7 +3184,7 @@
         <p:spPr>
           <a:xfrm>
             <a:off x="734050" y="2924944"/>
-            <a:ext cx="6480720" cy="2677656"/>
+            <a:ext cx="6480720" cy="1569660"/>
           </a:xfrm>
           <a:prstGeom prst="rect">
             <a:avLst/>
@@ -3205,46 +3206,16 @@
             </a:pPr>
             <a:r>
               <a:rPr lang="pt-BR" sz="2400" dirty="0"/>
-              <a:t>Falta de tempo para ir ao Supermercado;</a:t>
-            </a:r>
-          </a:p>
-          <a:p>
-            <a:pPr marL="285750" indent="-285750">
-              <a:lnSpc>
-                <a:spcPct val="150000"/>
-              </a:lnSpc>
-              <a:buFont typeface="Arial" pitchFamily="34" charset="0"/>
-              <a:buChar char="•"/>
-            </a:pPr>
+              <a:t>Falta de </a:t>
+            </a:r>
+            <a:r>
+              <a:rPr lang="pt-BR" sz="2400" dirty="0" smtClean="0"/>
+              <a:t>opções para saber preços dos produtos dos Supermercados de sua região</a:t>
+            </a:r>
             <a:r>
               <a:rPr lang="pt-BR" sz="2400" dirty="0"/>
-              <a:t>Filas enormes para passar as compras;</a:t>
-            </a:r>
-          </a:p>
-          <a:p>
-            <a:pPr marL="285750" indent="-285750">
-              <a:lnSpc>
-                <a:spcPct val="150000"/>
-              </a:lnSpc>
-              <a:buFont typeface="Arial" pitchFamily="34" charset="0"/>
-              <a:buChar char="•"/>
-            </a:pPr>
-            <a:r>
-              <a:rPr lang="pt-BR" sz="2400" dirty="0"/>
-              <a:t>Sem vagas de </a:t>
-            </a:r>
-            <a:r>
-              <a:rPr lang="pt-BR" sz="2400" dirty="0" smtClean="0"/>
-              <a:t>estacionamento;</a:t>
-            </a:r>
-          </a:p>
-          <a:p>
-            <a:pPr>
-              <a:lnSpc>
-                <a:spcPct val="150000"/>
-              </a:lnSpc>
-            </a:pPr>
-            <a:endParaRPr lang="pt-BR" sz="2400" dirty="0"/>
+              <a:t>.</a:t>
+            </a:r>
           </a:p>
           <a:p>
             <a:endParaRPr lang="pt-BR" sz="2400" dirty="0"/>
@@ -3310,7 +3281,7 @@
         </p:nvSpPr>
         <p:spPr>
           <a:xfrm>
-            <a:off x="734050" y="896306"/>
+            <a:off x="724178" y="896306"/>
             <a:ext cx="4392488" cy="707886"/>
           </a:xfrm>
           <a:prstGeom prst="rect">
@@ -3328,7 +3299,7 @@
               <a:rPr lang="pt-BR" sz="4000" b="1" dirty="0" smtClean="0">
                 <a:latin typeface="+mj-lt"/>
               </a:rPr>
-              <a:t>Ideia </a:t>
+              <a:t>Solução</a:t>
             </a:r>
             <a:endParaRPr lang="pt-BR" sz="4000" b="1" dirty="0">
               <a:latin typeface="+mj-lt"/>
@@ -3345,7 +3316,7 @@
         <p:spPr>
           <a:xfrm>
             <a:off x="734050" y="2132856"/>
-            <a:ext cx="8158430" cy="3416320"/>
+            <a:ext cx="8158430" cy="2308324"/>
           </a:xfrm>
           <a:prstGeom prst="rect">
             <a:avLst/>
@@ -3369,27 +3340,27 @@
             </a:r>
             <a:r>
               <a:rPr lang="pt-BR" sz="2400" dirty="0"/>
-              <a:t>ao consumidor moderno a compra de itens básicos de supermercado, o aplicativo permite ao consumidor escolher a loja de sua preferencia entre aquelas cadastradas, selecionar os itens, </a:t>
+              <a:t>ao consumidor </a:t>
             </a:r>
             <a:r>
               <a:rPr lang="pt-BR" sz="2400" dirty="0" smtClean="0"/>
-              <a:t>efetuar </a:t>
+              <a:t> a visualização </a:t>
             </a:r>
             <a:r>
               <a:rPr lang="pt-BR" sz="2400" dirty="0"/>
-              <a:t>o pagamento, e receber a sua compra em casa num tempo máximo de 120 </a:t>
+              <a:t>de itens básicos de supermercado, o aplicativo permite ao consumidor escolher a loja de sua preferencia entre aquelas cadastradas, </a:t>
             </a:r>
             <a:r>
               <a:rPr lang="pt-BR" sz="2400" dirty="0" smtClean="0"/>
-              <a:t>minutos</a:t>
+              <a:t>e visualizar </a:t>
             </a:r>
             <a:r>
               <a:rPr lang="pt-BR" sz="2400" dirty="0"/>
-              <a:t> </a:t>
+              <a:t>os </a:t>
             </a:r>
             <a:r>
               <a:rPr lang="pt-BR" sz="2400" dirty="0" smtClean="0"/>
-              <a:t>ou agendar o horário para os produtos serem entregues.</a:t>
+              <a:t>produtos que estão cadastrados.</a:t>
             </a:r>
             <a:endParaRPr lang="pt-BR" sz="2400" dirty="0"/>
           </a:p>
@@ -3511,33 +3482,13 @@
             </a:pPr>
             <a:r>
               <a:rPr lang="pt-BR" sz="2400" dirty="0"/>
-              <a:t>Pessoas sem tempo de ir ao supermercado;</a:t>
-            </a:r>
-          </a:p>
-          <a:p>
-            <a:pPr marL="342900" indent="-342900">
-              <a:lnSpc>
-                <a:spcPct val="150000"/>
-              </a:lnSpc>
-              <a:buFont typeface="Arial" pitchFamily="34" charset="0"/>
-              <a:buChar char="•"/>
-            </a:pPr>
-            <a:r>
-              <a:rPr lang="pt-BR" sz="2400" dirty="0"/>
-              <a:t>Idosos </a:t>
+              <a:t>Pessoas </a:t>
             </a:r>
             <a:r>
               <a:rPr lang="pt-BR" sz="2400" dirty="0" smtClean="0"/>
-              <a:t>que possuem </a:t>
-            </a:r>
-            <a:r>
-              <a:rPr lang="pt-BR" sz="2400" dirty="0"/>
-              <a:t>mobilidade </a:t>
-            </a:r>
-            <a:r>
-              <a:rPr lang="pt-BR" sz="2400" dirty="0" smtClean="0"/>
-              <a:t>reduzida;</a:t>
-            </a:r>
+              <a:t>de lugares afastados que não tem acesso aos tabloides de supermercado;</a:t>
+            </a:r>
+            <a:endParaRPr lang="pt-BR" sz="2400" dirty="0"/>
           </a:p>
           <a:p>
             <a:pPr marL="342900" indent="-342900">
@@ -3639,7 +3590,7 @@
               <a:rPr lang="pt-BR" sz="4000" b="1" dirty="0" smtClean="0">
                 <a:latin typeface="+mj-lt"/>
               </a:rPr>
-              <a:t>Modelo de negócio</a:t>
+              <a:t>Concorrentes</a:t>
             </a:r>
             <a:endParaRPr lang="pt-BR" sz="4000" b="1" dirty="0">
               <a:latin typeface="+mj-lt"/>
@@ -3678,21 +3629,7 @@
             </a:pPr>
             <a:r>
               <a:rPr lang="pt-BR" sz="2400" dirty="0" smtClean="0"/>
-              <a:t>Parcerias com Supermercados;</a:t>
-            </a:r>
-            <a:endParaRPr lang="pt-BR" sz="2400" dirty="0"/>
-          </a:p>
-          <a:p>
-            <a:pPr marL="342900" indent="-342900">
-              <a:lnSpc>
-                <a:spcPct val="150000"/>
-              </a:lnSpc>
-              <a:buFont typeface="Arial" pitchFamily="34" charset="0"/>
-              <a:buChar char="•"/>
-            </a:pPr>
-            <a:r>
-              <a:rPr lang="pt-BR" sz="2400" dirty="0" smtClean="0"/>
-              <a:t>Comissão pelas vendas feitas através do site;</a:t>
+              <a:t>No estado do Paraná não há nenhum concorrente, que atue na área de amostra de preços.</a:t>
             </a:r>
           </a:p>
           <a:p>
@@ -3708,7 +3645,7 @@
     </p:spTree>
     <p:extLst>
       <p:ext uri="{BB962C8B-B14F-4D97-AF65-F5344CB8AC3E}">
-        <p14:creationId xmlns:p14="http://schemas.microsoft.com/office/powerpoint/2010/main" val="1232576788"/>
+        <p14:creationId xmlns:p14="http://schemas.microsoft.com/office/powerpoint/2010/main" val="2194410969"/>
       </p:ext>
     </p:extLst>
   </p:cSld>
@@ -3782,7 +3719,7 @@
               <a:rPr lang="pt-BR" sz="4000" b="1" dirty="0" smtClean="0">
                 <a:latin typeface="+mj-lt"/>
               </a:rPr>
-              <a:t>Diferenciais</a:t>
+              <a:t>Modelo de negócio</a:t>
             </a:r>
             <a:endParaRPr lang="pt-BR" sz="4000" b="1" dirty="0">
               <a:latin typeface="+mj-lt"/>
@@ -3792,43 +3729,63 @@
       </p:sp>
       <p:sp>
         <p:nvSpPr>
-          <p:cNvPr id="4" name="CaixaDeTexto 3"/>
+          <p:cNvPr id="3" name="CaixaDeTexto 2"/>
           <p:cNvSpPr txBox="1"/>
           <p:nvPr/>
         </p:nvSpPr>
         <p:spPr>
           <a:xfrm>
-            <a:off x="734050" y="2420888"/>
-            <a:ext cx="8158430" cy="2862322"/>
+            <a:off x="738033" y="2780928"/>
+            <a:ext cx="8158430" cy="1754326"/>
           </a:xfrm>
           <a:prstGeom prst="rect">
             <a:avLst/>
           </a:prstGeom>
           <a:noFill/>
+          <a:ln>
+            <a:solidFill>
+              <a:schemeClr val="bg1"/>
+            </a:solidFill>
+          </a:ln>
         </p:spPr>
         <p:txBody>
           <a:bodyPr wrap="square" rtlCol="0">
             <a:spAutoFit/>
           </a:bodyPr>
           <a:lstStyle/>
+          <a:p>
+            <a:pPr marL="342900" indent="-342900">
+              <a:lnSpc>
+                <a:spcPct val="150000"/>
+              </a:lnSpc>
+              <a:buFont typeface="Arial" pitchFamily="34" charset="0"/>
+              <a:buChar char="•"/>
+            </a:pPr>
+            <a:r>
+              <a:rPr lang="pt-BR" sz="2400" dirty="0" smtClean="0"/>
+              <a:t>Parcerias com Supermercados;</a:t>
+            </a:r>
+            <a:endParaRPr lang="pt-BR" sz="2400" dirty="0"/>
+          </a:p>
+          <a:p>
+            <a:pPr marL="342900" indent="-342900">
+              <a:lnSpc>
+                <a:spcPct val="150000"/>
+              </a:lnSpc>
+              <a:buFont typeface="Arial" pitchFamily="34" charset="0"/>
+              <a:buChar char="•"/>
+            </a:pPr>
+            <a:r>
+              <a:rPr lang="pt-BR" sz="2400" dirty="0" smtClean="0"/>
+              <a:t>Comissão pelos acessos feitos no site;</a:t>
+            </a:r>
+          </a:p>
           <a:p>
             <a:pPr>
               <a:lnSpc>
                 <a:spcPct val="150000"/>
               </a:lnSpc>
             </a:pPr>
-            <a:r>
-              <a:rPr lang="pt-BR" sz="2400" dirty="0" smtClean="0"/>
-              <a:t>	O Market For You chega para  mudar a forma de fazer compra nos supermercados.  Em primeiro plano a plataforma terá apenas uma parceria, a medida do tempo ela terá </a:t>
-            </a:r>
-            <a:r>
-              <a:rPr lang="pt-BR" sz="2400" dirty="0"/>
-              <a:t>um sistema que permite aos consumidores escolher o </a:t>
-            </a:r>
-            <a:r>
-              <a:rPr lang="pt-BR" sz="2400" dirty="0" smtClean="0"/>
-              <a:t>mercado que que desejar, entre os cadastrados,.</a:t>
-            </a:r>
             <a:endParaRPr lang="pt-BR" sz="2400" dirty="0"/>
           </a:p>
         </p:txBody>
@@ -3836,7 +3793,7 @@
     </p:spTree>
     <p:extLst>
       <p:ext uri="{BB962C8B-B14F-4D97-AF65-F5344CB8AC3E}">
-        <p14:creationId xmlns:p14="http://schemas.microsoft.com/office/powerpoint/2010/main" val="3612003144"/>
+        <p14:creationId xmlns:p14="http://schemas.microsoft.com/office/powerpoint/2010/main" val="1232576788"/>
       </p:ext>
     </p:extLst>
   </p:cSld>
@@ -3892,7 +3849,7 @@
         </p:nvSpPr>
         <p:spPr>
           <a:xfrm>
-            <a:off x="734050" y="896306"/>
+            <a:off x="738033" y="1287573"/>
             <a:ext cx="4392488" cy="707886"/>
           </a:xfrm>
           <a:prstGeom prst="rect">
@@ -3910,7 +3867,7 @@
               <a:rPr lang="pt-BR" sz="4000" b="1" dirty="0" smtClean="0">
                 <a:latin typeface="+mj-lt"/>
               </a:rPr>
-              <a:t>Observação </a:t>
+              <a:t>Diferenciais</a:t>
             </a:r>
             <a:endParaRPr lang="pt-BR" sz="4000" b="1" dirty="0">
               <a:latin typeface="+mj-lt"/>
@@ -3920,14 +3877,14 @@
       </p:sp>
       <p:sp>
         <p:nvSpPr>
-          <p:cNvPr id="3" name="CaixaDeTexto 2"/>
+          <p:cNvPr id="4" name="CaixaDeTexto 3"/>
           <p:cNvSpPr txBox="1"/>
           <p:nvPr/>
         </p:nvSpPr>
         <p:spPr>
           <a:xfrm>
-            <a:off x="715081" y="2492896"/>
-            <a:ext cx="8158430" cy="1143070"/>
+            <a:off x="734050" y="2420888"/>
+            <a:ext cx="8158430" cy="2862322"/>
           </a:xfrm>
           <a:prstGeom prst="rect">
             <a:avLst/>
@@ -3947,7 +3904,15 @@
             </a:pPr>
             <a:r>
               <a:rPr lang="pt-BR" sz="2400" dirty="0" smtClean="0"/>
-              <a:t>	O projeto está em andamento, concluído temos a página Home, o cadastro de usuário e o cadastro dos produtos .</a:t>
+              <a:t>	O Market For You chega para  mudar a forma dos supermercados fazerem suas ofertas.  Em primeiro plano a plataforma terá apenas uma parceria, a medida do tempo ela terá </a:t>
+            </a:r>
+            <a:r>
+              <a:rPr lang="pt-BR" sz="2400" dirty="0"/>
+              <a:t>um sistema que permite aos consumidores escolher o </a:t>
+            </a:r>
+            <a:r>
+              <a:rPr lang="pt-BR" sz="2400" dirty="0" smtClean="0"/>
+              <a:t>mercado que que desejar, entre os cadastrados,.</a:t>
             </a:r>
             <a:endParaRPr lang="pt-BR" sz="2400" dirty="0"/>
           </a:p>
@@ -3956,7 +3921,7 @@
     </p:spTree>
     <p:extLst>
       <p:ext uri="{BB962C8B-B14F-4D97-AF65-F5344CB8AC3E}">
-        <p14:creationId xmlns:p14="http://schemas.microsoft.com/office/powerpoint/2010/main" val="3038904583"/>
+        <p14:creationId xmlns:p14="http://schemas.microsoft.com/office/powerpoint/2010/main" val="3612003144"/>
       </p:ext>
     </p:extLst>
   </p:cSld>
@@ -4012,7 +3977,160 @@
         </p:nvSpPr>
         <p:spPr>
           <a:xfrm>
-            <a:off x="734050" y="896306"/>
+            <a:off x="715972" y="960439"/>
+            <a:ext cx="5490151" cy="707886"/>
+          </a:xfrm>
+          <a:prstGeom prst="rect">
+            <a:avLst/>
+          </a:prstGeom>
+          <a:noFill/>
+        </p:spPr>
+        <p:txBody>
+          <a:bodyPr wrap="square" rtlCol="0">
+            <a:spAutoFit/>
+          </a:bodyPr>
+          <a:lstStyle/>
+          <a:p>
+            <a:r>
+              <a:rPr lang="pt-BR" sz="4000" b="1" dirty="0" smtClean="0">
+                <a:latin typeface="+mj-lt"/>
+              </a:rPr>
+              <a:t>Mode</a:t>
+            </a:r>
+            <a:r>
+              <a:rPr lang="pt-BR" sz="4000" b="1" dirty="0" smtClean="0">
+                <a:latin typeface="+mj-lt"/>
+              </a:rPr>
+              <a:t>lo Banco de Dados</a:t>
+            </a:r>
+            <a:endParaRPr lang="pt-BR" sz="4000" b="1" dirty="0">
+              <a:latin typeface="+mj-lt"/>
+            </a:endParaRPr>
+          </a:p>
+        </p:txBody>
+      </p:sp>
+      <p:pic>
+        <p:nvPicPr>
+          <p:cNvPr id="1026" name="Picture 2"/>
+          <p:cNvPicPr>
+            <a:picLocks noChangeAspect="1" noChangeArrowheads="1"/>
+          </p:cNvPicPr>
+          <p:nvPr/>
+        </p:nvPicPr>
+        <p:blipFill rotWithShape="1">
+          <a:blip r:embed="rId3">
+            <a:extLst>
+              <a:ext uri="{28A0092B-C50C-407E-A947-70E740481C1C}">
+                <a14:useLocalDpi xmlns:a14="http://schemas.microsoft.com/office/drawing/2010/main" val="0"/>
+              </a:ext>
+            </a:extLst>
+          </a:blip>
+          <a:srcRect l="9515" t="19886" r="26563" b="19129"/>
+          <a:stretch/>
+        </p:blipFill>
+        <p:spPr bwMode="auto">
+          <a:xfrm>
+            <a:off x="1403648" y="1844824"/>
+            <a:ext cx="6234545" cy="4461165"/>
+          </a:xfrm>
+          <a:prstGeom prst="rect">
+            <a:avLst/>
+          </a:prstGeom>
+          <a:noFill/>
+          <a:ln>
+            <a:noFill/>
+          </a:ln>
+          <a:effectLst/>
+          <a:extLst>
+            <a:ext uri="{909E8E84-426E-40DD-AFC4-6F175D3DCCD1}">
+              <a14:hiddenFill xmlns:a14="http://schemas.microsoft.com/office/drawing/2010/main">
+                <a:solidFill>
+                  <a:schemeClr val="accent1"/>
+                </a:solidFill>
+              </a14:hiddenFill>
+            </a:ext>
+            <a:ext uri="{91240B29-F687-4F45-9708-019B960494DF}">
+              <a14:hiddenLine xmlns:a14="http://schemas.microsoft.com/office/drawing/2010/main" w="9525">
+                <a:solidFill>
+                  <a:schemeClr val="tx1"/>
+                </a:solidFill>
+                <a:miter lim="800000"/>
+                <a:headEnd/>
+                <a:tailEnd/>
+              </a14:hiddenLine>
+            </a:ext>
+            <a:ext uri="{AF507438-7753-43E0-B8FC-AC1667EBCBE1}">
+              <a14:hiddenEffects xmlns:a14="http://schemas.microsoft.com/office/drawing/2010/main">
+                <a:effectLst>
+                  <a:outerShdw dist="35921" dir="2700000" algn="ctr" rotWithShape="0">
+                    <a:schemeClr val="bg2"/>
+                  </a:outerShdw>
+                </a:effectLst>
+              </a14:hiddenEffects>
+            </a:ext>
+          </a:extLst>
+        </p:spPr>
+      </p:pic>
+    </p:spTree>
+    <p:extLst>
+      <p:ext uri="{BB962C8B-B14F-4D97-AF65-F5344CB8AC3E}">
+        <p14:creationId xmlns:p14="http://schemas.microsoft.com/office/powerpoint/2010/main" val="2659628641"/>
+      </p:ext>
+    </p:extLst>
+  </p:cSld>
+  <p:clrMapOvr>
+    <a:masterClrMapping/>
+  </p:clrMapOvr>
+  <p:timing>
+    <p:tnLst>
+      <p:par>
+        <p:cTn id="1" dur="indefinite" restart="never" nodeType="tmRoot"/>
+      </p:par>
+    </p:tnLst>
+  </p:timing>
+</p:sld>
+</file>
+
+<file path=ppt/slides/slide9.xml><?xml version="1.0" encoding="utf-8"?>
+<p:sld xmlns:a="http://schemas.openxmlformats.org/drawingml/2006/main" xmlns:r="http://schemas.openxmlformats.org/officeDocument/2006/relationships" xmlns:p="http://schemas.openxmlformats.org/presentationml/2006/main">
+  <p:cSld>
+    <p:bg>
+      <p:bgPr>
+        <a:blipFill dpi="0" rotWithShape="1">
+          <a:blip r:embed="rId2">
+            <a:lum/>
+          </a:blip>
+          <a:srcRect/>
+          <a:stretch>
+            <a:fillRect/>
+          </a:stretch>
+        </a:blipFill>
+        <a:effectLst/>
+      </p:bgPr>
+    </p:bg>
+    <p:spTree>
+      <p:nvGrpSpPr>
+        <p:cNvPr id="1" name=""/>
+        <p:cNvGrpSpPr/>
+        <p:nvPr/>
+      </p:nvGrpSpPr>
+      <p:grpSpPr>
+        <a:xfrm>
+          <a:off x="0" y="0"/>
+          <a:ext cx="0" cy="0"/>
+          <a:chOff x="0" y="0"/>
+          <a:chExt cx="0" cy="0"/>
+        </a:xfrm>
+      </p:grpSpPr>
+      <p:sp>
+        <p:nvSpPr>
+          <p:cNvPr id="2" name="CaixaDeTexto 1"/>
+          <p:cNvSpPr txBox="1"/>
+          <p:nvPr/>
+        </p:nvSpPr>
+        <p:spPr>
+          <a:xfrm>
+            <a:off x="451489" y="530544"/>
             <a:ext cx="5710158" cy="707886"/>
           </a:xfrm>
           <a:prstGeom prst="rect">
@@ -4030,7 +4148,7 @@
               <a:rPr lang="pt-BR" sz="4000" b="1" dirty="0" smtClean="0">
                 <a:latin typeface="+mj-lt"/>
               </a:rPr>
-              <a:t>Modelo Banco de Dados </a:t>
+              <a:t>Time</a:t>
             </a:r>
             <a:endParaRPr lang="pt-BR" sz="4000" b="1" dirty="0">
               <a:latin typeface="+mj-lt"/>
@@ -4038,6 +4156,147 @@
           </a:p>
         </p:txBody>
       </p:sp>
+      <p:pic>
+        <p:nvPicPr>
+          <p:cNvPr id="4" name="Imagem 3"/>
+          <p:cNvPicPr>
+            <a:picLocks noChangeAspect="1"/>
+          </p:cNvPicPr>
+          <p:nvPr/>
+        </p:nvPicPr>
+        <p:blipFill>
+          <a:blip r:embed="rId3" cstate="print">
+            <a:extLst>
+              <a:ext uri="{28A0092B-C50C-407E-A947-70E740481C1C}">
+                <a14:useLocalDpi xmlns:a14="http://schemas.microsoft.com/office/drawing/2010/main" val="0"/>
+              </a:ext>
+            </a:extLst>
+          </a:blip>
+          <a:stretch>
+            <a:fillRect/>
+          </a:stretch>
+        </p:blipFill>
+        <p:spPr>
+          <a:xfrm>
+            <a:off x="395536" y="1798396"/>
+            <a:ext cx="3096344" cy="3100381"/>
+          </a:xfrm>
+          <a:prstGeom prst="rect">
+            <a:avLst/>
+          </a:prstGeom>
+        </p:spPr>
+      </p:pic>
+      <p:sp>
+        <p:nvSpPr>
+          <p:cNvPr id="5" name="CaixaDeTexto 4"/>
+          <p:cNvSpPr txBox="1"/>
+          <p:nvPr/>
+        </p:nvSpPr>
+        <p:spPr>
+          <a:xfrm>
+            <a:off x="395536" y="5517232"/>
+            <a:ext cx="3096345" cy="461665"/>
+          </a:xfrm>
+          <a:prstGeom prst="rect">
+            <a:avLst/>
+          </a:prstGeom>
+          <a:noFill/>
+        </p:spPr>
+        <p:txBody>
+          <a:bodyPr wrap="square" rtlCol="0">
+            <a:spAutoFit/>
+          </a:bodyPr>
+          <a:lstStyle/>
+          <a:p>
+            <a:pPr algn="ctr"/>
+            <a:r>
+              <a:rPr lang="pt-BR" sz="2400" b="1" dirty="0" smtClean="0">
+                <a:latin typeface="+mj-lt"/>
+              </a:rPr>
+              <a:t>Gustavo Iesbik da Silva</a:t>
+            </a:r>
+            <a:endParaRPr lang="pt-BR" sz="2400" b="1" dirty="0">
+              <a:latin typeface="+mj-lt"/>
+            </a:endParaRPr>
+          </a:p>
+        </p:txBody>
+      </p:sp>
+      <p:sp>
+        <p:nvSpPr>
+          <p:cNvPr id="6" name="CaixaDeTexto 5"/>
+          <p:cNvSpPr txBox="1"/>
+          <p:nvPr/>
+        </p:nvSpPr>
+        <p:spPr>
+          <a:xfrm>
+            <a:off x="4991681" y="5517232"/>
+            <a:ext cx="3816424" cy="461665"/>
+          </a:xfrm>
+          <a:prstGeom prst="rect">
+            <a:avLst/>
+          </a:prstGeom>
+          <a:noFill/>
+        </p:spPr>
+        <p:txBody>
+          <a:bodyPr wrap="square" rtlCol="0">
+            <a:spAutoFit/>
+          </a:bodyPr>
+          <a:lstStyle/>
+          <a:p>
+            <a:r>
+              <a:rPr lang="pt-BR" sz="2400" b="1" dirty="0" smtClean="0">
+                <a:latin typeface="+mj-lt"/>
+              </a:rPr>
+              <a:t>Luan Diogo de Góis </a:t>
+            </a:r>
+            <a:r>
+              <a:rPr lang="pt-BR" sz="2400" b="1" dirty="0">
+                <a:latin typeface="+mj-lt"/>
+              </a:rPr>
+              <a:t>W</a:t>
+            </a:r>
+            <a:r>
+              <a:rPr lang="pt-BR" sz="2400" b="1" dirty="0" smtClean="0">
+                <a:latin typeface="+mj-lt"/>
+              </a:rPr>
+              <a:t>eiss</a:t>
+            </a:r>
+            <a:endParaRPr lang="pt-BR" sz="2400" b="1" dirty="0">
+              <a:latin typeface="+mj-lt"/>
+            </a:endParaRPr>
+          </a:p>
+        </p:txBody>
+      </p:sp>
+      <p:pic>
+        <p:nvPicPr>
+          <p:cNvPr id="7" name="Imagem 6"/>
+          <p:cNvPicPr>
+            <a:picLocks noChangeAspect="1"/>
+          </p:cNvPicPr>
+          <p:nvPr/>
+        </p:nvPicPr>
+        <p:blipFill>
+          <a:blip r:embed="rId4" cstate="print">
+            <a:extLst>
+              <a:ext uri="{28A0092B-C50C-407E-A947-70E740481C1C}">
+                <a14:useLocalDpi xmlns:a14="http://schemas.microsoft.com/office/drawing/2010/main" val="0"/>
+              </a:ext>
+            </a:extLst>
+          </a:blip>
+          <a:stretch>
+            <a:fillRect/>
+          </a:stretch>
+        </p:blipFill>
+        <p:spPr>
+          <a:xfrm>
+            <a:off x="5114957" y="1772678"/>
+            <a:ext cx="3082168" cy="3126099"/>
+          </a:xfrm>
+          <a:prstGeom prst="rect">
+            <a:avLst/>
+          </a:prstGeom>
+        </p:spPr>
+      </p:pic>
     </p:spTree>
     <p:extLst>
       <p:ext uri="{BB962C8B-B14F-4D97-AF65-F5344CB8AC3E}">
